--- a/Family Tree.pptx
+++ b/Family Tree.pptx
@@ -104,6 +104,11 @@
       </a:defRPr>
     </a:lvl9pPr>
   </p:defaultTextStyle>
+  <p:extLst>
+    <p:ext uri="{EFAFB233-063F-42B5-8137-9DF3F51BA10A}">
+      <p15:sldGuideLst xmlns:p15="http://schemas.microsoft.com/office/powerpoint/2012/main"/>
+    </p:ext>
+  </p:extLst>
 </p:presentation>
 </file>
 
@@ -2966,18 +2971,21 @@
       </p:grpSpPr>
       <p:sp>
         <p:nvSpPr>
-          <p:cNvPr id="95" name="Vaakasuora käärö 94"/>
+          <p:cNvPr id="51" name="Vaakasuora käärö 50"/>
           <p:cNvSpPr/>
           <p:nvPr/>
         </p:nvSpPr>
         <p:spPr>
           <a:xfrm>
-            <a:off x="222677" y="2488280"/>
+            <a:off x="222676" y="500742"/>
             <a:ext cx="11821681" cy="2205640"/>
           </a:xfrm>
           <a:prstGeom prst="horizontalScroll">
             <a:avLst/>
           </a:prstGeom>
+          <a:solidFill>
+            <a:schemeClr val="bg2"/>
+          </a:solidFill>
         </p:spPr>
         <p:style>
           <a:lnRef idx="2">
@@ -3000,11 +3008,161 @@
           <a:lstStyle/>
           <a:p>
             <a:pPr algn="r"/>
-            <a:r>
-              <a:rPr lang="fi-FI" dirty="0" err="1" smtClean="0"/>
-              <a:t>generation</a:t>
-            </a:r>
-            <a:endParaRPr lang="fi-FI" dirty="0"/>
+            <a:endParaRPr lang="fi-FI" sz="1400" dirty="0">
+              <a:solidFill>
+                <a:schemeClr val="tx1"/>
+              </a:solidFill>
+            </a:endParaRPr>
+          </a:p>
+        </p:txBody>
+      </p:sp>
+      <p:sp>
+        <p:nvSpPr>
+          <p:cNvPr id="47" name="Vaakasuora käärö 46"/>
+          <p:cNvSpPr/>
+          <p:nvPr/>
+        </p:nvSpPr>
+        <p:spPr>
+          <a:xfrm>
+            <a:off x="222676" y="4478579"/>
+            <a:ext cx="11821681" cy="2205640"/>
+          </a:xfrm>
+          <a:prstGeom prst="horizontalScroll">
+            <a:avLst/>
+          </a:prstGeom>
+          <a:solidFill>
+            <a:schemeClr val="bg2"/>
+          </a:solidFill>
+        </p:spPr>
+        <p:style>
+          <a:lnRef idx="2">
+            <a:schemeClr val="accent3">
+              <a:shade val="50000"/>
+            </a:schemeClr>
+          </a:lnRef>
+          <a:fillRef idx="1">
+            <a:schemeClr val="accent3"/>
+          </a:fillRef>
+          <a:effectRef idx="0">
+            <a:schemeClr val="accent3"/>
+          </a:effectRef>
+          <a:fontRef idx="minor">
+            <a:schemeClr val="lt1"/>
+          </a:fontRef>
+        </p:style>
+        <p:txBody>
+          <a:bodyPr rtlCol="0" anchor="b"/>
+          <a:lstStyle/>
+          <a:p>
+            <a:pPr algn="r"/>
+            <a:endParaRPr lang="fi-FI" sz="1400" dirty="0">
+              <a:solidFill>
+                <a:schemeClr val="tx1"/>
+              </a:solidFill>
+            </a:endParaRPr>
+          </a:p>
+        </p:txBody>
+      </p:sp>
+      <p:sp>
+        <p:nvSpPr>
+          <p:cNvPr id="95" name="Vaakasuora käärö 94"/>
+          <p:cNvSpPr/>
+          <p:nvPr/>
+        </p:nvSpPr>
+        <p:spPr>
+          <a:xfrm>
+            <a:off x="222677" y="2488280"/>
+            <a:ext cx="11821681" cy="2205640"/>
+          </a:xfrm>
+          <a:prstGeom prst="horizontalScroll">
+            <a:avLst/>
+          </a:prstGeom>
+          <a:solidFill>
+            <a:schemeClr val="bg2"/>
+          </a:solidFill>
+        </p:spPr>
+        <p:style>
+          <a:lnRef idx="2">
+            <a:schemeClr val="accent3">
+              <a:shade val="50000"/>
+            </a:schemeClr>
+          </a:lnRef>
+          <a:fillRef idx="1">
+            <a:schemeClr val="accent3"/>
+          </a:fillRef>
+          <a:effectRef idx="0">
+            <a:schemeClr val="accent3"/>
+          </a:effectRef>
+          <a:fontRef idx="minor">
+            <a:schemeClr val="lt1"/>
+          </a:fontRef>
+        </p:style>
+        <p:txBody>
+          <a:bodyPr rtlCol="0" anchor="b"/>
+          <a:lstStyle/>
+          <a:p>
+            <a:pPr algn="r"/>
+            <a:r>
+              <a:rPr lang="fi-FI" sz="1400" dirty="0" err="1" smtClean="0">
+                <a:solidFill>
+                  <a:schemeClr val="tx1"/>
+                </a:solidFill>
+              </a:rPr>
+              <a:t>Generation</a:t>
+            </a:r>
+            <a:r>
+              <a:rPr lang="fi-FI" sz="1400" dirty="0" smtClean="0">
+                <a:solidFill>
+                  <a:schemeClr val="tx1"/>
+                </a:solidFill>
+              </a:rPr>
+              <a:t> </a:t>
+            </a:r>
+            <a:r>
+              <a:rPr lang="fi-FI" sz="1400" dirty="0" err="1" smtClean="0">
+                <a:solidFill>
+                  <a:schemeClr val="tx1"/>
+                </a:solidFill>
+              </a:rPr>
+              <a:t>by</a:t>
+            </a:r>
+            <a:r>
+              <a:rPr lang="fi-FI" sz="1400" dirty="0" smtClean="0">
+                <a:solidFill>
+                  <a:schemeClr val="tx1"/>
+                </a:solidFill>
+              </a:rPr>
+              <a:t> </a:t>
+            </a:r>
+            <a:r>
+              <a:rPr lang="fi-FI" sz="1400" dirty="0" err="1" smtClean="0">
+                <a:solidFill>
+                  <a:schemeClr val="tx1"/>
+                </a:solidFill>
+              </a:rPr>
+              <a:t>first</a:t>
+            </a:r>
+            <a:r>
+              <a:rPr lang="fi-FI" sz="1400" dirty="0" smtClean="0">
+                <a:solidFill>
+                  <a:schemeClr val="tx1"/>
+                </a:solidFill>
+              </a:rPr>
+              <a:t> </a:t>
+            </a:r>
+            <a:r>
+              <a:rPr lang="fi-FI" sz="1400" dirty="0" err="1" smtClean="0">
+                <a:solidFill>
+                  <a:schemeClr val="tx1"/>
+                </a:solidFill>
+              </a:rPr>
+              <a:t>member</a:t>
+            </a:r>
+            <a:endParaRPr lang="fi-FI" sz="1400" dirty="0">
+              <a:solidFill>
+                <a:schemeClr val="tx1"/>
+              </a:solidFill>
+            </a:endParaRPr>
           </a:p>
         </p:txBody>
       </p:sp>
@@ -3695,7 +3853,7 @@
         </p:nvSpPr>
         <p:spPr>
           <a:xfrm>
-            <a:off x="8995953" y="3061063"/>
+            <a:off x="9046507" y="3061063"/>
             <a:ext cx="2360023" cy="487680"/>
           </a:xfrm>
           <a:prstGeom prst="roundRect">
@@ -3902,7 +4060,7 @@
           <a:prstGeom prst="straightConnector1">
             <a:avLst/>
           </a:prstGeom>
-          <a:ln>
+          <a:ln w="28575">
             <a:tailEnd type="triangle"/>
           </a:ln>
         </p:spPr>
@@ -3938,7 +4096,7 @@
           <a:prstGeom prst="straightConnector1">
             <a:avLst/>
           </a:prstGeom>
-          <a:ln>
+          <a:ln w="28575">
             <a:tailEnd type="triangle"/>
           </a:ln>
         </p:spPr>
@@ -3969,12 +4127,12 @@
         <p:spPr>
           <a:xfrm>
             <a:off x="7844245" y="1510937"/>
-            <a:ext cx="2331720" cy="1550126"/>
+            <a:ext cx="2382274" cy="1550126"/>
           </a:xfrm>
           <a:prstGeom prst="straightConnector1">
             <a:avLst/>
           </a:prstGeom>
-          <a:ln>
+          <a:ln w="19050">
             <a:tailEnd type="triangle"/>
           </a:ln>
         </p:spPr>
@@ -4005,12 +4163,12 @@
         <p:spPr>
           <a:xfrm>
             <a:off x="5345970" y="2264052"/>
-            <a:ext cx="4829995" cy="797011"/>
+            <a:ext cx="4880549" cy="797011"/>
           </a:xfrm>
           <a:prstGeom prst="straightConnector1">
             <a:avLst/>
           </a:prstGeom>
-          <a:ln>
+          <a:ln w="28575">
             <a:tailEnd type="triangle"/>
           </a:ln>
         </p:spPr>
@@ -4671,7 +4829,7 @@
           <a:prstGeom prst="straightConnector1">
             <a:avLst/>
           </a:prstGeom>
-          <a:ln>
+          <a:ln w="19050">
             <a:tailEnd type="triangle"/>
           </a:ln>
         </p:spPr>
@@ -4706,7 +4864,7 @@
           <a:prstGeom prst="straightConnector1">
             <a:avLst/>
           </a:prstGeom>
-          <a:ln>
+          <a:ln w="19050">
             <a:tailEnd type="triangle"/>
           </a:ln>
         </p:spPr>
@@ -4742,7 +4900,7 @@
           <a:prstGeom prst="straightConnector1">
             <a:avLst/>
           </a:prstGeom>
-          <a:ln>
+          <a:ln w="19050">
             <a:tailEnd type="triangle"/>
           </a:ln>
         </p:spPr>
